--- a/presentation.pptx
+++ b/presentation.pptx
@@ -11,9 +11,8 @@
     <p:sldId id="260" r:id="rId5"/>
     <p:sldId id="259" r:id="rId6"/>
     <p:sldId id="262" r:id="rId7"/>
-    <p:sldId id="261" r:id="rId8"/>
-    <p:sldId id="263" r:id="rId9"/>
-    <p:sldId id="264" r:id="rId10"/>
+    <p:sldId id="263" r:id="rId8"/>
+    <p:sldId id="264" r:id="rId9"/>
   </p:sldIdLst>
   <p:sldSz cx="12192000" cy="6858000"/>
   <p:notesSz cx="6858000" cy="9144000"/>
@@ -3726,7 +3725,15 @@
             </a:pPr>
             <a:r>
               <a:rPr lang="en-US" dirty="0"/>
-              <a:t>Realization: PowerPoint is Turing Complete. In 2017, Tom </a:t>
+              <a:t>Realization: PowerPoint is </a:t>
+            </a:r>
+            <a:r>
+              <a:rPr lang="en-US" b="1" dirty="0"/>
+              <a:t>Turing Complete</a:t>
+            </a:r>
+            <a:r>
+              <a:rPr lang="en-US" dirty="0"/>
+              <a:t>. In 2017, Tom </a:t>
             </a:r>
             <a:r>
               <a:rPr lang="en-US" dirty="0" err="1"/>
@@ -3882,8 +3889,8 @@
         </p:nvSpPr>
         <p:spPr>
           <a:xfrm>
-            <a:off x="838200" y="1436602"/>
-            <a:ext cx="10515600" cy="4786472"/>
+            <a:off x="838200" y="1472698"/>
+            <a:ext cx="6754814" cy="4786472"/>
           </a:xfrm>
         </p:spPr>
         <p:txBody>
@@ -3932,12 +3939,20 @@
         </p:blipFill>
         <p:spPr>
           <a:xfrm>
-            <a:off x="7800975" y="355282"/>
+            <a:off x="7752847" y="355282"/>
             <a:ext cx="4391025" cy="6147435"/>
           </a:xfrm>
           <a:prstGeom prst="rect">
             <a:avLst/>
           </a:prstGeom>
+          <a:ln>
+            <a:solidFill>
+              <a:schemeClr val="tx1">
+                <a:lumMod val="75000"/>
+                <a:lumOff val="25000"/>
+              </a:schemeClr>
+            </a:solidFill>
+          </a:ln>
         </p:spPr>
       </p:pic>
       <p:pic>
@@ -3962,7 +3977,7 @@
         </p:blipFill>
         <p:spPr>
           <a:xfrm>
-            <a:off x="558800" y="3428999"/>
+            <a:off x="546768" y="3380871"/>
             <a:ext cx="3530600" cy="3175000"/>
           </a:xfrm>
           <a:prstGeom prst="rect">
@@ -3992,12 +4007,20 @@
         </p:blipFill>
         <p:spPr>
           <a:xfrm>
-            <a:off x="4132264" y="3143249"/>
-            <a:ext cx="3460750" cy="3460750"/>
+            <a:off x="4204456" y="3320715"/>
+            <a:ext cx="3460750" cy="3271252"/>
           </a:xfrm>
           <a:prstGeom prst="rect">
             <a:avLst/>
           </a:prstGeom>
+          <a:ln>
+            <a:solidFill>
+              <a:schemeClr val="tx1">
+                <a:lumMod val="50000"/>
+                <a:lumOff val="50000"/>
+              </a:schemeClr>
+            </a:solidFill>
+          </a:ln>
         </p:spPr>
       </p:pic>
     </p:spTree>
@@ -4108,14 +4131,14 @@
             </a:pPr>
             <a:r>
               <a:rPr lang="en-US" dirty="0"/>
-              <a:t>PPTXTM’s tape only provides 8 cells/states/bits</a:t>
+              <a:t>PPTXTM’s tape only provides 8 cells/states/bits.</a:t>
             </a:r>
             <a:br>
               <a:rPr lang="en-US" dirty="0"/>
             </a:br>
             <a:r>
               <a:rPr lang="en-US" dirty="0"/>
-              <a:t>Turing Machines assume “infinite” tape.</a:t>
+              <a:t>Turing Machines assume an “infinite” tape.</a:t>
             </a:r>
           </a:p>
         </p:txBody>
@@ -4143,6 +4166,35 @@
           <a:xfrm>
             <a:off x="8272462" y="3525836"/>
             <a:ext cx="3586163" cy="2786064"/>
+          </a:xfrm>
+          <a:prstGeom prst="rect">
+            <a:avLst/>
+          </a:prstGeom>
+        </p:spPr>
+      </p:pic>
+      <p:pic>
+        <p:nvPicPr>
+          <p:cNvPr id="6" name="Picture 5">
+            <a:extLst>
+              <a:ext uri="{FF2B5EF4-FFF2-40B4-BE49-F238E27FC236}">
+                <a16:creationId xmlns:a16="http://schemas.microsoft.com/office/drawing/2014/main" id="{A35536F8-E4D7-7042-8B1E-7CD156FA64A8}"/>
+              </a:ext>
+            </a:extLst>
+          </p:cNvPr>
+          <p:cNvPicPr>
+            <a:picLocks noChangeAspect="1"/>
+          </p:cNvPicPr>
+          <p:nvPr/>
+        </p:nvPicPr>
+        <p:blipFill rotWithShape="1">
+          <a:blip r:embed="rId3"/>
+          <a:srcRect l="7002" t="13763" r="21523" b="41711"/>
+          <a:stretch/>
+        </p:blipFill>
+        <p:spPr>
+          <a:xfrm>
+            <a:off x="9813256" y="4283241"/>
+            <a:ext cx="2033337" cy="2261937"/>
           </a:xfrm>
           <a:prstGeom prst="rect">
             <a:avLst/>
@@ -4540,7 +4592,7 @@
           <p:cNvPr id="2" name="Title 1">
             <a:extLst>
               <a:ext uri="{FF2B5EF4-FFF2-40B4-BE49-F238E27FC236}">
-                <a16:creationId xmlns:a16="http://schemas.microsoft.com/office/drawing/2014/main" id="{144F1975-4AE4-FC4C-848E-B961C465D6AC}"/>
+                <a16:creationId xmlns:a16="http://schemas.microsoft.com/office/drawing/2014/main" id="{1C989032-DB86-9B4A-B2E8-E8D0867C103D}"/>
               </a:ext>
             </a:extLst>
           </p:cNvPr>
@@ -4558,7 +4610,7 @@
           <a:p>
             <a:r>
               <a:rPr lang="en-US" dirty="0"/>
-              <a:t>Memorable Quotes</a:t>
+              <a:t>DEMO</a:t>
             </a:r>
           </a:p>
         </p:txBody>
@@ -4568,7 +4620,7 @@
           <p:cNvPr id="3" name="Content Placeholder 2">
             <a:extLst>
               <a:ext uri="{FF2B5EF4-FFF2-40B4-BE49-F238E27FC236}">
-                <a16:creationId xmlns:a16="http://schemas.microsoft.com/office/drawing/2014/main" id="{43757A72-49E4-E145-AB8A-C2D1121B8867}"/>
+                <a16:creationId xmlns:a16="http://schemas.microsoft.com/office/drawing/2014/main" id="{A3529D08-761D-6B48-92E2-940A2C45B654}"/>
               </a:ext>
             </a:extLst>
           </p:cNvPr>
@@ -4584,82 +4636,24 @@
           <a:bodyPr/>
           <a:lstStyle/>
           <a:p>
-            <a:pPr>
-              <a:lnSpc>
-                <a:spcPct val="150000"/>
-              </a:lnSpc>
-            </a:pPr>
-            <a:r>
-              <a:rPr lang="en-US" dirty="0"/>
-              <a:t>“What are they doing?” “idk. some PowerPoint shit”</a:t>
-            </a:r>
-          </a:p>
-          <a:p>
-            <a:pPr>
-              <a:lnSpc>
-                <a:spcPct val="150000"/>
-              </a:lnSpc>
-            </a:pPr>
-            <a:r>
-              <a:rPr lang="en-US" dirty="0"/>
-              <a:t>“Look at this wiring! Python is doing </a:t>
-            </a:r>
-            <a:r>
-              <a:rPr lang="en-US" i="1" dirty="0"/>
-              <a:t>nothing</a:t>
-            </a:r>
-            <a:r>
-              <a:rPr lang="en-US" dirty="0"/>
-              <a:t>.”</a:t>
-            </a:r>
-          </a:p>
-          <a:p>
-            <a:pPr>
-              <a:lnSpc>
-                <a:spcPct val="150000"/>
-              </a:lnSpc>
-            </a:pPr>
-            <a:r>
-              <a:rPr lang="en-US" dirty="0"/>
-              <a:t>“Why Tom?! What did you see?”</a:t>
-            </a:r>
-          </a:p>
-          <a:p>
-            <a:pPr>
-              <a:lnSpc>
-                <a:spcPct val="150000"/>
-              </a:lnSpc>
-            </a:pPr>
-            <a:r>
-              <a:rPr lang="en-US" dirty="0"/>
-              <a:t>“We’re reinventing the wheel, but worse.”</a:t>
-            </a:r>
-          </a:p>
-          <a:p>
-            <a:pPr>
-              <a:lnSpc>
-                <a:spcPct val="150000"/>
-              </a:lnSpc>
-            </a:pPr>
-            <a:r>
-              <a:rPr lang="en-US" dirty="0"/>
-              <a:t>“What have we created? Oh no…"</a:t>
-            </a:r>
-          </a:p>
-          <a:p>
-            <a:pPr>
-              <a:lnSpc>
-                <a:spcPct val="150000"/>
-              </a:lnSpc>
-            </a:pPr>
+            <a:r>
+              <a:rPr lang="en-US" dirty="0" err="1"/>
+              <a:t>Succ</a:t>
+            </a:r>
             <a:endParaRPr lang="en-US" dirty="0"/>
+          </a:p>
+          <a:p>
+            <a:r>
+              <a:rPr lang="en-US" dirty="0"/>
+              <a:t>Add 3 + 5</a:t>
+            </a:r>
           </a:p>
         </p:txBody>
       </p:sp>
     </p:spTree>
     <p:extLst>
       <p:ext uri="{BB962C8B-B14F-4D97-AF65-F5344CB8AC3E}">
-        <p14:creationId xmlns:p14="http://schemas.microsoft.com/office/powerpoint/2010/main" val="2893322219"/>
+        <p14:creationId xmlns:p14="http://schemas.microsoft.com/office/powerpoint/2010/main" val="2274703136"/>
       </p:ext>
     </p:extLst>
   </p:cSld>
@@ -4691,89 +4685,6 @@
           <p:cNvPr id="2" name="Title 1">
             <a:extLst>
               <a:ext uri="{FF2B5EF4-FFF2-40B4-BE49-F238E27FC236}">
-                <a16:creationId xmlns:a16="http://schemas.microsoft.com/office/drawing/2014/main" id="{1C989032-DB86-9B4A-B2E8-E8D0867C103D}"/>
-              </a:ext>
-            </a:extLst>
-          </p:cNvPr>
-          <p:cNvSpPr>
-            <a:spLocks noGrp="1"/>
-          </p:cNvSpPr>
-          <p:nvPr>
-            <p:ph type="title"/>
-          </p:nvPr>
-        </p:nvSpPr>
-        <p:spPr/>
-        <p:txBody>
-          <a:bodyPr/>
-          <a:lstStyle/>
-          <a:p>
-            <a:r>
-              <a:rPr lang="en-US" dirty="0"/>
-              <a:t>DEMO</a:t>
-            </a:r>
-          </a:p>
-        </p:txBody>
-      </p:sp>
-      <p:sp>
-        <p:nvSpPr>
-          <p:cNvPr id="3" name="Content Placeholder 2">
-            <a:extLst>
-              <a:ext uri="{FF2B5EF4-FFF2-40B4-BE49-F238E27FC236}">
-                <a16:creationId xmlns:a16="http://schemas.microsoft.com/office/drawing/2014/main" id="{A3529D08-761D-6B48-92E2-940A2C45B654}"/>
-              </a:ext>
-            </a:extLst>
-          </p:cNvPr>
-          <p:cNvSpPr>
-            <a:spLocks noGrp="1"/>
-          </p:cNvSpPr>
-          <p:nvPr>
-            <p:ph idx="1"/>
-          </p:nvPr>
-        </p:nvSpPr>
-        <p:spPr/>
-        <p:txBody>
-          <a:bodyPr/>
-          <a:lstStyle/>
-          <a:p>
-            <a:endParaRPr lang="en-US" dirty="0"/>
-          </a:p>
-        </p:txBody>
-      </p:sp>
-    </p:spTree>
-    <p:extLst>
-      <p:ext uri="{BB962C8B-B14F-4D97-AF65-F5344CB8AC3E}">
-        <p14:creationId xmlns:p14="http://schemas.microsoft.com/office/powerpoint/2010/main" val="2274703136"/>
-      </p:ext>
-    </p:extLst>
-  </p:cSld>
-  <p:clrMapOvr>
-    <a:masterClrMapping/>
-  </p:clrMapOvr>
-</p:sld>
-</file>
-
-<file path=ppt/slides/slide9.xml><?xml version="1.0" encoding="utf-8"?>
-<p:sld xmlns:a="http://schemas.openxmlformats.org/drawingml/2006/main" xmlns:r="http://schemas.openxmlformats.org/officeDocument/2006/relationships" xmlns:p="http://schemas.openxmlformats.org/presentationml/2006/main">
-  <p:cSld>
-    <p:spTree>
-      <p:nvGrpSpPr>
-        <p:cNvPr id="1" name=""/>
-        <p:cNvGrpSpPr/>
-        <p:nvPr/>
-      </p:nvGrpSpPr>
-      <p:grpSpPr>
-        <a:xfrm>
-          <a:off x="0" y="0"/>
-          <a:ext cx="0" cy="0"/>
-          <a:chOff x="0" y="0"/>
-          <a:chExt cx="0" cy="0"/>
-        </a:xfrm>
-      </p:grpSpPr>
-      <p:sp>
-        <p:nvSpPr>
-          <p:cNvPr id="2" name="Title 1">
-            <a:extLst>
-              <a:ext uri="{FF2B5EF4-FFF2-40B4-BE49-F238E27FC236}">
                 <a16:creationId xmlns:a16="http://schemas.microsoft.com/office/drawing/2014/main" id="{3CC2B19B-8F42-EF4F-AA59-9E437BA58F6E}"/>
               </a:ext>
             </a:extLst>
@@ -4785,7 +4696,12 @@
             <p:ph type="ctrTitle"/>
           </p:nvPr>
         </p:nvSpPr>
-        <p:spPr/>
+        <p:spPr>
+          <a:xfrm>
+            <a:off x="1524000" y="809812"/>
+            <a:ext cx="9144000" cy="951879"/>
+          </a:xfrm>
+        </p:spPr>
         <p:txBody>
           <a:bodyPr/>
           <a:lstStyle/>
@@ -4813,7 +4729,12 @@
             <p:ph type="subTitle" idx="1"/>
           </p:nvPr>
         </p:nvSpPr>
-        <p:spPr/>
+        <p:spPr>
+          <a:xfrm>
+            <a:off x="1524000" y="1722814"/>
+            <a:ext cx="9144000" cy="478965"/>
+          </a:xfrm>
+        </p:spPr>
         <p:txBody>
           <a:bodyPr/>
           <a:lstStyle/>
@@ -4838,6 +4759,293 @@
               <a:rPr lang="en-US" dirty="0"/>
               <a:t>/</a:t>
             </a:r>
+          </a:p>
+        </p:txBody>
+      </p:sp>
+      <p:sp>
+        <p:nvSpPr>
+          <p:cNvPr id="5" name="Content Placeholder 2">
+            <a:extLst>
+              <a:ext uri="{FF2B5EF4-FFF2-40B4-BE49-F238E27FC236}">
+                <a16:creationId xmlns:a16="http://schemas.microsoft.com/office/drawing/2014/main" id="{812FDA0E-69FC-2247-8E8F-6DE5B959D858}"/>
+              </a:ext>
+            </a:extLst>
+          </p:cNvPr>
+          <p:cNvSpPr txBox="1">
+            <a:spLocks/>
+          </p:cNvSpPr>
+          <p:nvPr/>
+        </p:nvSpPr>
+        <p:spPr>
+          <a:xfrm>
+            <a:off x="838200" y="2328570"/>
+            <a:ext cx="10515600" cy="3891756"/>
+          </a:xfrm>
+          <a:prstGeom prst="rect">
+            <a:avLst/>
+          </a:prstGeom>
+        </p:spPr>
+        <p:txBody>
+          <a:bodyPr vert="horz" lIns="91440" tIns="45720" rIns="91440" bIns="45720" rtlCol="0">
+            <a:normAutofit/>
+          </a:bodyPr>
+          <a:lstStyle>
+            <a:lvl1pPr marL="0" indent="0" algn="ctr" defTabSz="914400" rtl="0" eaLnBrk="1" latinLnBrk="0" hangingPunct="1">
+              <a:lnSpc>
+                <a:spcPct val="90000"/>
+              </a:lnSpc>
+              <a:spcBef>
+                <a:spcPts val="1000"/>
+              </a:spcBef>
+              <a:buFont typeface="Arial" panose="020B0604020202020204" pitchFamily="34" charset="0"/>
+              <a:buNone/>
+              <a:defRPr sz="2400" kern="1200">
+                <a:solidFill>
+                  <a:schemeClr val="tx1"/>
+                </a:solidFill>
+                <a:latin typeface="+mn-lt"/>
+                <a:ea typeface="+mn-ea"/>
+                <a:cs typeface="+mn-cs"/>
+              </a:defRPr>
+            </a:lvl1pPr>
+            <a:lvl2pPr marL="457200" indent="0" algn="ctr" defTabSz="914400" rtl="0" eaLnBrk="1" latinLnBrk="0" hangingPunct="1">
+              <a:lnSpc>
+                <a:spcPct val="90000"/>
+              </a:lnSpc>
+              <a:spcBef>
+                <a:spcPts val="500"/>
+              </a:spcBef>
+              <a:buFont typeface="Arial" panose="020B0604020202020204" pitchFamily="34" charset="0"/>
+              <a:buNone/>
+              <a:defRPr sz="2000" kern="1200">
+                <a:solidFill>
+                  <a:schemeClr val="tx1"/>
+                </a:solidFill>
+                <a:latin typeface="+mn-lt"/>
+                <a:ea typeface="+mn-ea"/>
+                <a:cs typeface="+mn-cs"/>
+              </a:defRPr>
+            </a:lvl2pPr>
+            <a:lvl3pPr marL="914400" indent="0" algn="ctr" defTabSz="914400" rtl="0" eaLnBrk="1" latinLnBrk="0" hangingPunct="1">
+              <a:lnSpc>
+                <a:spcPct val="90000"/>
+              </a:lnSpc>
+              <a:spcBef>
+                <a:spcPts val="500"/>
+              </a:spcBef>
+              <a:buFont typeface="Arial" panose="020B0604020202020204" pitchFamily="34" charset="0"/>
+              <a:buNone/>
+              <a:defRPr sz="1800" kern="1200">
+                <a:solidFill>
+                  <a:schemeClr val="tx1"/>
+                </a:solidFill>
+                <a:latin typeface="+mn-lt"/>
+                <a:ea typeface="+mn-ea"/>
+                <a:cs typeface="+mn-cs"/>
+              </a:defRPr>
+            </a:lvl3pPr>
+            <a:lvl4pPr marL="1371600" indent="0" algn="ctr" defTabSz="914400" rtl="0" eaLnBrk="1" latinLnBrk="0" hangingPunct="1">
+              <a:lnSpc>
+                <a:spcPct val="90000"/>
+              </a:lnSpc>
+              <a:spcBef>
+                <a:spcPts val="500"/>
+              </a:spcBef>
+              <a:buFont typeface="Arial" panose="020B0604020202020204" pitchFamily="34" charset="0"/>
+              <a:buNone/>
+              <a:defRPr sz="1600" kern="1200">
+                <a:solidFill>
+                  <a:schemeClr val="tx1"/>
+                </a:solidFill>
+                <a:latin typeface="+mn-lt"/>
+                <a:ea typeface="+mn-ea"/>
+                <a:cs typeface="+mn-cs"/>
+              </a:defRPr>
+            </a:lvl4pPr>
+            <a:lvl5pPr marL="1828800" indent="0" algn="ctr" defTabSz="914400" rtl="0" eaLnBrk="1" latinLnBrk="0" hangingPunct="1">
+              <a:lnSpc>
+                <a:spcPct val="90000"/>
+              </a:lnSpc>
+              <a:spcBef>
+                <a:spcPts val="500"/>
+              </a:spcBef>
+              <a:buFont typeface="Arial" panose="020B0604020202020204" pitchFamily="34" charset="0"/>
+              <a:buNone/>
+              <a:defRPr sz="1600" kern="1200">
+                <a:solidFill>
+                  <a:schemeClr val="tx1"/>
+                </a:solidFill>
+                <a:latin typeface="+mn-lt"/>
+                <a:ea typeface="+mn-ea"/>
+                <a:cs typeface="+mn-cs"/>
+              </a:defRPr>
+            </a:lvl5pPr>
+            <a:lvl6pPr marL="2286000" indent="0" algn="ctr" defTabSz="914400" rtl="0" eaLnBrk="1" latinLnBrk="0" hangingPunct="1">
+              <a:lnSpc>
+                <a:spcPct val="90000"/>
+              </a:lnSpc>
+              <a:spcBef>
+                <a:spcPts val="500"/>
+              </a:spcBef>
+              <a:buFont typeface="Arial" panose="020B0604020202020204" pitchFamily="34" charset="0"/>
+              <a:buNone/>
+              <a:defRPr sz="1600" kern="1200">
+                <a:solidFill>
+                  <a:schemeClr val="tx1"/>
+                </a:solidFill>
+                <a:latin typeface="+mn-lt"/>
+                <a:ea typeface="+mn-ea"/>
+                <a:cs typeface="+mn-cs"/>
+              </a:defRPr>
+            </a:lvl6pPr>
+            <a:lvl7pPr marL="2743200" indent="0" algn="ctr" defTabSz="914400" rtl="0" eaLnBrk="1" latinLnBrk="0" hangingPunct="1">
+              <a:lnSpc>
+                <a:spcPct val="90000"/>
+              </a:lnSpc>
+              <a:spcBef>
+                <a:spcPts val="500"/>
+              </a:spcBef>
+              <a:buFont typeface="Arial" panose="020B0604020202020204" pitchFamily="34" charset="0"/>
+              <a:buNone/>
+              <a:defRPr sz="1600" kern="1200">
+                <a:solidFill>
+                  <a:schemeClr val="tx1"/>
+                </a:solidFill>
+                <a:latin typeface="+mn-lt"/>
+                <a:ea typeface="+mn-ea"/>
+                <a:cs typeface="+mn-cs"/>
+              </a:defRPr>
+            </a:lvl7pPr>
+            <a:lvl8pPr marL="3200400" indent="0" algn="ctr" defTabSz="914400" rtl="0" eaLnBrk="1" latinLnBrk="0" hangingPunct="1">
+              <a:lnSpc>
+                <a:spcPct val="90000"/>
+              </a:lnSpc>
+              <a:spcBef>
+                <a:spcPts val="500"/>
+              </a:spcBef>
+              <a:buFont typeface="Arial" panose="020B0604020202020204" pitchFamily="34" charset="0"/>
+              <a:buNone/>
+              <a:defRPr sz="1600" kern="1200">
+                <a:solidFill>
+                  <a:schemeClr val="tx1"/>
+                </a:solidFill>
+                <a:latin typeface="+mn-lt"/>
+                <a:ea typeface="+mn-ea"/>
+                <a:cs typeface="+mn-cs"/>
+              </a:defRPr>
+            </a:lvl8pPr>
+            <a:lvl9pPr marL="3657600" indent="0" algn="ctr" defTabSz="914400" rtl="0" eaLnBrk="1" latinLnBrk="0" hangingPunct="1">
+              <a:lnSpc>
+                <a:spcPct val="90000"/>
+              </a:lnSpc>
+              <a:spcBef>
+                <a:spcPts val="500"/>
+              </a:spcBef>
+              <a:buFont typeface="Arial" panose="020B0604020202020204" pitchFamily="34" charset="0"/>
+              <a:buNone/>
+              <a:defRPr sz="1600" kern="1200">
+                <a:solidFill>
+                  <a:schemeClr val="tx1"/>
+                </a:solidFill>
+                <a:latin typeface="+mn-lt"/>
+                <a:ea typeface="+mn-ea"/>
+                <a:cs typeface="+mn-cs"/>
+              </a:defRPr>
+            </a:lvl9pPr>
+          </a:lstStyle>
+          <a:p>
+            <a:pPr algn="l">
+              <a:lnSpc>
+                <a:spcPct val="150000"/>
+              </a:lnSpc>
+            </a:pPr>
+            <a:r>
+              <a:rPr lang="en-US" dirty="0"/>
+              <a:t>Some Memorable Quotes from the past 24 hours:</a:t>
+            </a:r>
+          </a:p>
+          <a:p>
+            <a:pPr marL="800100" lvl="1" indent="-342900" algn="l">
+              <a:lnSpc>
+                <a:spcPct val="100000"/>
+              </a:lnSpc>
+              <a:buFont typeface="Arial" panose="020B0604020202020204" pitchFamily="34" charset="0"/>
+              <a:buChar char="•"/>
+            </a:pPr>
+            <a:r>
+              <a:rPr lang="en-US" sz="2400" dirty="0"/>
+              <a:t>“What are they doing?” “idk. some PowerPoint shit”</a:t>
+            </a:r>
+          </a:p>
+          <a:p>
+            <a:pPr marL="800100" lvl="1" indent="-342900" algn="l">
+              <a:lnSpc>
+                <a:spcPct val="100000"/>
+              </a:lnSpc>
+              <a:buFont typeface="Arial" panose="020B0604020202020204" pitchFamily="34" charset="0"/>
+              <a:buChar char="•"/>
+            </a:pPr>
+            <a:r>
+              <a:rPr lang="en-US" sz="2400" dirty="0"/>
+              <a:t>“Look at this wiring! Python is doing </a:t>
+            </a:r>
+            <a:r>
+              <a:rPr lang="en-US" sz="2400" i="1" dirty="0"/>
+              <a:t>nothing</a:t>
+            </a:r>
+            <a:r>
+              <a:rPr lang="en-US" sz="2400" dirty="0"/>
+              <a:t>.”</a:t>
+            </a:r>
+          </a:p>
+          <a:p>
+            <a:pPr marL="800100" lvl="1" indent="-342900" algn="l">
+              <a:lnSpc>
+                <a:spcPct val="100000"/>
+              </a:lnSpc>
+              <a:buFont typeface="Arial" panose="020B0604020202020204" pitchFamily="34" charset="0"/>
+              <a:buChar char="•"/>
+            </a:pPr>
+            <a:r>
+              <a:rPr lang="en-US" sz="2400" dirty="0"/>
+              <a:t>“Why Tom?! What did you see?”</a:t>
+            </a:r>
+          </a:p>
+          <a:p>
+            <a:pPr marL="800100" lvl="1" indent="-342900" algn="l">
+              <a:lnSpc>
+                <a:spcPct val="100000"/>
+              </a:lnSpc>
+              <a:buFont typeface="Arial" panose="020B0604020202020204" pitchFamily="34" charset="0"/>
+              <a:buChar char="•"/>
+            </a:pPr>
+            <a:r>
+              <a:rPr lang="en-US" sz="2400" dirty="0"/>
+              <a:t>“We’re reinventing the wheel, but worse.”</a:t>
+            </a:r>
+          </a:p>
+          <a:p>
+            <a:pPr marL="800100" lvl="1" indent="-342900" algn="l">
+              <a:lnSpc>
+                <a:spcPct val="100000"/>
+              </a:lnSpc>
+              <a:buFont typeface="Arial" panose="020B0604020202020204" pitchFamily="34" charset="0"/>
+              <a:buChar char="•"/>
+            </a:pPr>
+            <a:r>
+              <a:rPr lang="en-US" sz="2400" dirty="0"/>
+              <a:t>“What have we created? Oh no…"</a:t>
+            </a:r>
+          </a:p>
+          <a:p>
+            <a:pPr marL="342900" indent="-342900" algn="l">
+              <a:lnSpc>
+                <a:spcPct val="150000"/>
+              </a:lnSpc>
+              <a:buFont typeface="Arial" panose="020B0604020202020204" pitchFamily="34" charset="0"/>
+              <a:buChar char="•"/>
+            </a:pPr>
+            <a:endParaRPr lang="en-US" dirty="0"/>
           </a:p>
         </p:txBody>
       </p:sp>

--- a/presentation.pptx
+++ b/presentation.pptx
@@ -10,9 +10,12 @@
     <p:sldId id="258" r:id="rId4"/>
     <p:sldId id="260" r:id="rId5"/>
     <p:sldId id="259" r:id="rId6"/>
-    <p:sldId id="262" r:id="rId7"/>
-    <p:sldId id="263" r:id="rId8"/>
-    <p:sldId id="264" r:id="rId9"/>
+    <p:sldId id="263" r:id="rId7"/>
+    <p:sldId id="262" r:id="rId8"/>
+    <p:sldId id="265" r:id="rId9"/>
+    <p:sldId id="267" r:id="rId10"/>
+    <p:sldId id="266" r:id="rId11"/>
+    <p:sldId id="264" r:id="rId12"/>
   </p:sldIdLst>
   <p:sldSz cx="12192000" cy="6858000"/>
   <p:notesSz cx="6858000" cy="9144000"/>
@@ -3654,6 +3657,601 @@
 </p:sld>
 </file>
 
+<file path=ppt/slides/slide10.xml><?xml version="1.0" encoding="utf-8"?>
+<p:sld xmlns:a="http://schemas.openxmlformats.org/drawingml/2006/main" xmlns:r="http://schemas.openxmlformats.org/officeDocument/2006/relationships" xmlns:p="http://schemas.openxmlformats.org/presentationml/2006/main">
+  <p:cSld>
+    <p:spTree>
+      <p:nvGrpSpPr>
+        <p:cNvPr id="1" name=""/>
+        <p:cNvGrpSpPr/>
+        <p:nvPr/>
+      </p:nvGrpSpPr>
+      <p:grpSpPr>
+        <a:xfrm>
+          <a:off x="0" y="0"/>
+          <a:ext cx="0" cy="0"/>
+          <a:chOff x="0" y="0"/>
+          <a:chExt cx="0" cy="0"/>
+        </a:xfrm>
+      </p:grpSpPr>
+      <p:sp>
+        <p:nvSpPr>
+          <p:cNvPr id="2" name="Title 1">
+            <a:extLst>
+              <a:ext uri="{FF2B5EF4-FFF2-40B4-BE49-F238E27FC236}">
+                <a16:creationId xmlns:a16="http://schemas.microsoft.com/office/drawing/2014/main" id="{A4EF3B6B-5D64-3F46-9BCD-4B227F166A8F}"/>
+              </a:ext>
+            </a:extLst>
+          </p:cNvPr>
+          <p:cNvSpPr>
+            <a:spLocks noGrp="1"/>
+          </p:cNvSpPr>
+          <p:nvPr>
+            <p:ph type="title"/>
+          </p:nvPr>
+        </p:nvSpPr>
+        <p:spPr/>
+        <p:txBody>
+          <a:bodyPr/>
+          <a:lstStyle/>
+          <a:p>
+            <a:r>
+              <a:rPr lang="en-US" dirty="0"/>
+              <a:t>Future Work </a:t>
+            </a:r>
+            <a:r>
+              <a:rPr lang="en-US" sz="2000" dirty="0"/>
+              <a:t>(</a:t>
+            </a:r>
+            <a:r>
+              <a:rPr lang="en-US" sz="2000" dirty="0" err="1"/>
+              <a:t>bc</a:t>
+            </a:r>
+            <a:r>
+              <a:rPr lang="en-US" sz="2000" dirty="0"/>
+              <a:t> we only had 24 </a:t>
+            </a:r>
+            <a:r>
+              <a:rPr lang="en-US" sz="2000" dirty="0" err="1"/>
+              <a:t>hrs</a:t>
+            </a:r>
+            <a:r>
+              <a:rPr lang="en-US" sz="2000" dirty="0"/>
+              <a:t> and a dream)</a:t>
+            </a:r>
+          </a:p>
+        </p:txBody>
+      </p:sp>
+      <p:sp>
+        <p:nvSpPr>
+          <p:cNvPr id="3" name="Content Placeholder 2">
+            <a:extLst>
+              <a:ext uri="{FF2B5EF4-FFF2-40B4-BE49-F238E27FC236}">
+                <a16:creationId xmlns:a16="http://schemas.microsoft.com/office/drawing/2014/main" id="{CB1AABDF-ADC1-0C42-9076-3B985253BDD4}"/>
+              </a:ext>
+            </a:extLst>
+          </p:cNvPr>
+          <p:cNvSpPr>
+            <a:spLocks noGrp="1"/>
+          </p:cNvSpPr>
+          <p:nvPr>
+            <p:ph idx="1"/>
+          </p:nvPr>
+        </p:nvSpPr>
+        <p:spPr/>
+        <p:txBody>
+          <a:bodyPr>
+            <a:normAutofit/>
+          </a:bodyPr>
+          <a:lstStyle/>
+          <a:p>
+            <a:pPr>
+              <a:lnSpc>
+                <a:spcPct val="150000"/>
+              </a:lnSpc>
+            </a:pPr>
+            <a:r>
+              <a:rPr lang="en-US" dirty="0"/>
+              <a:t>A larger tape &amp; Multi-tape</a:t>
+            </a:r>
+          </a:p>
+          <a:p>
+            <a:pPr>
+              <a:lnSpc>
+                <a:spcPct val="150000"/>
+              </a:lnSpc>
+            </a:pPr>
+            <a:r>
+              <a:rPr lang="en-US" dirty="0"/>
+              <a:t>Comprehensive Test Suite (This thing is slow)</a:t>
+            </a:r>
+          </a:p>
+          <a:p>
+            <a:pPr>
+              <a:lnSpc>
+                <a:spcPct val="150000"/>
+              </a:lnSpc>
+            </a:pPr>
+            <a:r>
+              <a:rPr lang="en-US" dirty="0"/>
+              <a:t>Writing to </a:t>
+            </a:r>
+            <a:r>
+              <a:rPr lang="en-US" dirty="0" err="1"/>
+              <a:t>stdout</a:t>
+            </a:r>
+            <a:endParaRPr lang="en-US" dirty="0"/>
+          </a:p>
+          <a:p>
+            <a:pPr>
+              <a:lnSpc>
+                <a:spcPct val="150000"/>
+              </a:lnSpc>
+            </a:pPr>
+            <a:r>
+              <a:rPr lang="en-US" dirty="0"/>
+              <a:t>Cross platform/Cross screen resolution support</a:t>
+            </a:r>
+          </a:p>
+          <a:p>
+            <a:pPr>
+              <a:lnSpc>
+                <a:spcPct val="150000"/>
+              </a:lnSpc>
+            </a:pPr>
+            <a:r>
+              <a:rPr lang="en-US" dirty="0"/>
+              <a:t>Performance optimizations</a:t>
+            </a:r>
+          </a:p>
+          <a:p>
+            <a:pPr>
+              <a:lnSpc>
+                <a:spcPct val="150000"/>
+              </a:lnSpc>
+            </a:pPr>
+            <a:endParaRPr lang="en-US" dirty="0"/>
+          </a:p>
+        </p:txBody>
+      </p:sp>
+    </p:spTree>
+    <p:extLst>
+      <p:ext uri="{BB962C8B-B14F-4D97-AF65-F5344CB8AC3E}">
+        <p14:creationId xmlns:p14="http://schemas.microsoft.com/office/powerpoint/2010/main" val="3894629127"/>
+      </p:ext>
+    </p:extLst>
+  </p:cSld>
+  <p:clrMapOvr>
+    <a:masterClrMapping/>
+  </p:clrMapOvr>
+</p:sld>
+</file>
+
+<file path=ppt/slides/slide11.xml><?xml version="1.0" encoding="utf-8"?>
+<p:sld xmlns:a="http://schemas.openxmlformats.org/drawingml/2006/main" xmlns:r="http://schemas.openxmlformats.org/officeDocument/2006/relationships" xmlns:p="http://schemas.openxmlformats.org/presentationml/2006/main">
+  <p:cSld>
+    <p:spTree>
+      <p:nvGrpSpPr>
+        <p:cNvPr id="1" name=""/>
+        <p:cNvGrpSpPr/>
+        <p:nvPr/>
+      </p:nvGrpSpPr>
+      <p:grpSpPr>
+        <a:xfrm>
+          <a:off x="0" y="0"/>
+          <a:ext cx="0" cy="0"/>
+          <a:chOff x="0" y="0"/>
+          <a:chExt cx="0" cy="0"/>
+        </a:xfrm>
+      </p:grpSpPr>
+      <p:sp>
+        <p:nvSpPr>
+          <p:cNvPr id="2" name="Title 1">
+            <a:extLst>
+              <a:ext uri="{FF2B5EF4-FFF2-40B4-BE49-F238E27FC236}">
+                <a16:creationId xmlns:a16="http://schemas.microsoft.com/office/drawing/2014/main" id="{3CC2B19B-8F42-EF4F-AA59-9E437BA58F6E}"/>
+              </a:ext>
+            </a:extLst>
+          </p:cNvPr>
+          <p:cNvSpPr>
+            <a:spLocks noGrp="1"/>
+          </p:cNvSpPr>
+          <p:nvPr>
+            <p:ph type="ctrTitle"/>
+          </p:nvPr>
+        </p:nvSpPr>
+        <p:spPr>
+          <a:xfrm>
+            <a:off x="1524000" y="809812"/>
+            <a:ext cx="9144000" cy="951879"/>
+          </a:xfrm>
+        </p:spPr>
+        <p:txBody>
+          <a:bodyPr/>
+          <a:lstStyle/>
+          <a:p>
+            <a:r>
+              <a:rPr lang="en-US" dirty="0"/>
+              <a:t>The End. Finally.</a:t>
+            </a:r>
+          </a:p>
+        </p:txBody>
+      </p:sp>
+      <p:sp>
+        <p:nvSpPr>
+          <p:cNvPr id="3" name="Subtitle 2">
+            <a:extLst>
+              <a:ext uri="{FF2B5EF4-FFF2-40B4-BE49-F238E27FC236}">
+                <a16:creationId xmlns:a16="http://schemas.microsoft.com/office/drawing/2014/main" id="{2223968C-BF80-8149-A9A8-A54C9C203A9D}"/>
+              </a:ext>
+            </a:extLst>
+          </p:cNvPr>
+          <p:cNvSpPr>
+            <a:spLocks noGrp="1"/>
+          </p:cNvSpPr>
+          <p:nvPr>
+            <p:ph type="subTitle" idx="1"/>
+          </p:nvPr>
+        </p:nvSpPr>
+        <p:spPr>
+          <a:xfrm>
+            <a:off x="1524000" y="1722814"/>
+            <a:ext cx="9144000" cy="478965"/>
+          </a:xfrm>
+        </p:spPr>
+        <p:txBody>
+          <a:bodyPr/>
+          <a:lstStyle/>
+          <a:p>
+            <a:r>
+              <a:rPr lang="en-US" dirty="0"/>
+              <a:t>https://</a:t>
+            </a:r>
+            <a:r>
+              <a:rPr lang="en-US" dirty="0" err="1"/>
+              <a:t>github.com</a:t>
+            </a:r>
+            <a:r>
+              <a:rPr lang="en-US" dirty="0"/>
+              <a:t>/cchoy96/</a:t>
+            </a:r>
+            <a:r>
+              <a:rPr lang="en-US" dirty="0" err="1"/>
+              <a:t>ppcc</a:t>
+            </a:r>
+            <a:r>
+              <a:rPr lang="en-US" dirty="0"/>
+              <a:t>/</a:t>
+            </a:r>
+          </a:p>
+        </p:txBody>
+      </p:sp>
+      <p:sp>
+        <p:nvSpPr>
+          <p:cNvPr id="5" name="Content Placeholder 2">
+            <a:extLst>
+              <a:ext uri="{FF2B5EF4-FFF2-40B4-BE49-F238E27FC236}">
+                <a16:creationId xmlns:a16="http://schemas.microsoft.com/office/drawing/2014/main" id="{812FDA0E-69FC-2247-8E8F-6DE5B959D858}"/>
+              </a:ext>
+            </a:extLst>
+          </p:cNvPr>
+          <p:cNvSpPr txBox="1">
+            <a:spLocks/>
+          </p:cNvSpPr>
+          <p:nvPr/>
+        </p:nvSpPr>
+        <p:spPr>
+          <a:xfrm>
+            <a:off x="838200" y="2328570"/>
+            <a:ext cx="10515600" cy="3891756"/>
+          </a:xfrm>
+          <a:prstGeom prst="rect">
+            <a:avLst/>
+          </a:prstGeom>
+        </p:spPr>
+        <p:txBody>
+          <a:bodyPr vert="horz" lIns="91440" tIns="45720" rIns="91440" bIns="45720" rtlCol="0">
+            <a:normAutofit/>
+          </a:bodyPr>
+          <a:lstStyle>
+            <a:lvl1pPr marL="0" indent="0" algn="ctr" defTabSz="914400" rtl="0" eaLnBrk="1" latinLnBrk="0" hangingPunct="1">
+              <a:lnSpc>
+                <a:spcPct val="90000"/>
+              </a:lnSpc>
+              <a:spcBef>
+                <a:spcPts val="1000"/>
+              </a:spcBef>
+              <a:buFont typeface="Arial" panose="020B0604020202020204" pitchFamily="34" charset="0"/>
+              <a:buNone/>
+              <a:defRPr sz="2400" kern="1200">
+                <a:solidFill>
+                  <a:schemeClr val="tx1"/>
+                </a:solidFill>
+                <a:latin typeface="+mn-lt"/>
+                <a:ea typeface="+mn-ea"/>
+                <a:cs typeface="+mn-cs"/>
+              </a:defRPr>
+            </a:lvl1pPr>
+            <a:lvl2pPr marL="457200" indent="0" algn="ctr" defTabSz="914400" rtl="0" eaLnBrk="1" latinLnBrk="0" hangingPunct="1">
+              <a:lnSpc>
+                <a:spcPct val="90000"/>
+              </a:lnSpc>
+              <a:spcBef>
+                <a:spcPts val="500"/>
+              </a:spcBef>
+              <a:buFont typeface="Arial" panose="020B0604020202020204" pitchFamily="34" charset="0"/>
+              <a:buNone/>
+              <a:defRPr sz="2000" kern="1200">
+                <a:solidFill>
+                  <a:schemeClr val="tx1"/>
+                </a:solidFill>
+                <a:latin typeface="+mn-lt"/>
+                <a:ea typeface="+mn-ea"/>
+                <a:cs typeface="+mn-cs"/>
+              </a:defRPr>
+            </a:lvl2pPr>
+            <a:lvl3pPr marL="914400" indent="0" algn="ctr" defTabSz="914400" rtl="0" eaLnBrk="1" latinLnBrk="0" hangingPunct="1">
+              <a:lnSpc>
+                <a:spcPct val="90000"/>
+              </a:lnSpc>
+              <a:spcBef>
+                <a:spcPts val="500"/>
+              </a:spcBef>
+              <a:buFont typeface="Arial" panose="020B0604020202020204" pitchFamily="34" charset="0"/>
+              <a:buNone/>
+              <a:defRPr sz="1800" kern="1200">
+                <a:solidFill>
+                  <a:schemeClr val="tx1"/>
+                </a:solidFill>
+                <a:latin typeface="+mn-lt"/>
+                <a:ea typeface="+mn-ea"/>
+                <a:cs typeface="+mn-cs"/>
+              </a:defRPr>
+            </a:lvl3pPr>
+            <a:lvl4pPr marL="1371600" indent="0" algn="ctr" defTabSz="914400" rtl="0" eaLnBrk="1" latinLnBrk="0" hangingPunct="1">
+              <a:lnSpc>
+                <a:spcPct val="90000"/>
+              </a:lnSpc>
+              <a:spcBef>
+                <a:spcPts val="500"/>
+              </a:spcBef>
+              <a:buFont typeface="Arial" panose="020B0604020202020204" pitchFamily="34" charset="0"/>
+              <a:buNone/>
+              <a:defRPr sz="1600" kern="1200">
+                <a:solidFill>
+                  <a:schemeClr val="tx1"/>
+                </a:solidFill>
+                <a:latin typeface="+mn-lt"/>
+                <a:ea typeface="+mn-ea"/>
+                <a:cs typeface="+mn-cs"/>
+              </a:defRPr>
+            </a:lvl4pPr>
+            <a:lvl5pPr marL="1828800" indent="0" algn="ctr" defTabSz="914400" rtl="0" eaLnBrk="1" latinLnBrk="0" hangingPunct="1">
+              <a:lnSpc>
+                <a:spcPct val="90000"/>
+              </a:lnSpc>
+              <a:spcBef>
+                <a:spcPts val="500"/>
+              </a:spcBef>
+              <a:buFont typeface="Arial" panose="020B0604020202020204" pitchFamily="34" charset="0"/>
+              <a:buNone/>
+              <a:defRPr sz="1600" kern="1200">
+                <a:solidFill>
+                  <a:schemeClr val="tx1"/>
+                </a:solidFill>
+                <a:latin typeface="+mn-lt"/>
+                <a:ea typeface="+mn-ea"/>
+                <a:cs typeface="+mn-cs"/>
+              </a:defRPr>
+            </a:lvl5pPr>
+            <a:lvl6pPr marL="2286000" indent="0" algn="ctr" defTabSz="914400" rtl="0" eaLnBrk="1" latinLnBrk="0" hangingPunct="1">
+              <a:lnSpc>
+                <a:spcPct val="90000"/>
+              </a:lnSpc>
+              <a:spcBef>
+                <a:spcPts val="500"/>
+              </a:spcBef>
+              <a:buFont typeface="Arial" panose="020B0604020202020204" pitchFamily="34" charset="0"/>
+              <a:buNone/>
+              <a:defRPr sz="1600" kern="1200">
+                <a:solidFill>
+                  <a:schemeClr val="tx1"/>
+                </a:solidFill>
+                <a:latin typeface="+mn-lt"/>
+                <a:ea typeface="+mn-ea"/>
+                <a:cs typeface="+mn-cs"/>
+              </a:defRPr>
+            </a:lvl6pPr>
+            <a:lvl7pPr marL="2743200" indent="0" algn="ctr" defTabSz="914400" rtl="0" eaLnBrk="1" latinLnBrk="0" hangingPunct="1">
+              <a:lnSpc>
+                <a:spcPct val="90000"/>
+              </a:lnSpc>
+              <a:spcBef>
+                <a:spcPts val="500"/>
+              </a:spcBef>
+              <a:buFont typeface="Arial" panose="020B0604020202020204" pitchFamily="34" charset="0"/>
+              <a:buNone/>
+              <a:defRPr sz="1600" kern="1200">
+                <a:solidFill>
+                  <a:schemeClr val="tx1"/>
+                </a:solidFill>
+                <a:latin typeface="+mn-lt"/>
+                <a:ea typeface="+mn-ea"/>
+                <a:cs typeface="+mn-cs"/>
+              </a:defRPr>
+            </a:lvl7pPr>
+            <a:lvl8pPr marL="3200400" indent="0" algn="ctr" defTabSz="914400" rtl="0" eaLnBrk="1" latinLnBrk="0" hangingPunct="1">
+              <a:lnSpc>
+                <a:spcPct val="90000"/>
+              </a:lnSpc>
+              <a:spcBef>
+                <a:spcPts val="500"/>
+              </a:spcBef>
+              <a:buFont typeface="Arial" panose="020B0604020202020204" pitchFamily="34" charset="0"/>
+              <a:buNone/>
+              <a:defRPr sz="1600" kern="1200">
+                <a:solidFill>
+                  <a:schemeClr val="tx1"/>
+                </a:solidFill>
+                <a:latin typeface="+mn-lt"/>
+                <a:ea typeface="+mn-ea"/>
+                <a:cs typeface="+mn-cs"/>
+              </a:defRPr>
+            </a:lvl8pPr>
+            <a:lvl9pPr marL="3657600" indent="0" algn="ctr" defTabSz="914400" rtl="0" eaLnBrk="1" latinLnBrk="0" hangingPunct="1">
+              <a:lnSpc>
+                <a:spcPct val="90000"/>
+              </a:lnSpc>
+              <a:spcBef>
+                <a:spcPts val="500"/>
+              </a:spcBef>
+              <a:buFont typeface="Arial" panose="020B0604020202020204" pitchFamily="34" charset="0"/>
+              <a:buNone/>
+              <a:defRPr sz="1600" kern="1200">
+                <a:solidFill>
+                  <a:schemeClr val="tx1"/>
+                </a:solidFill>
+                <a:latin typeface="+mn-lt"/>
+                <a:ea typeface="+mn-ea"/>
+                <a:cs typeface="+mn-cs"/>
+              </a:defRPr>
+            </a:lvl9pPr>
+          </a:lstStyle>
+          <a:p>
+            <a:pPr algn="l">
+              <a:lnSpc>
+                <a:spcPct val="150000"/>
+              </a:lnSpc>
+            </a:pPr>
+            <a:r>
+              <a:rPr lang="en-US" dirty="0"/>
+              <a:t>Some Memorable Quotes from the past 24 hours:</a:t>
+            </a:r>
+          </a:p>
+          <a:p>
+            <a:pPr marL="800100" lvl="1" indent="-342900" algn="l">
+              <a:lnSpc>
+                <a:spcPct val="100000"/>
+              </a:lnSpc>
+              <a:buFont typeface="Arial" panose="020B0604020202020204" pitchFamily="34" charset="0"/>
+              <a:buChar char="•"/>
+            </a:pPr>
+            <a:r>
+              <a:rPr lang="en-US" sz="2400" dirty="0"/>
+              <a:t>“What are they doing?” “idk. some PowerPoint shit”</a:t>
+            </a:r>
+          </a:p>
+          <a:p>
+            <a:pPr marL="800100" lvl="1" indent="-342900" algn="l">
+              <a:lnSpc>
+                <a:spcPct val="100000"/>
+              </a:lnSpc>
+              <a:buFont typeface="Arial" panose="020B0604020202020204" pitchFamily="34" charset="0"/>
+              <a:buChar char="•"/>
+            </a:pPr>
+            <a:r>
+              <a:rPr lang="en-US" sz="2400" dirty="0"/>
+              <a:t>“Look at this wiring! Python is doing </a:t>
+            </a:r>
+            <a:r>
+              <a:rPr lang="en-US" sz="2400" i="1" dirty="0"/>
+              <a:t>nothing</a:t>
+            </a:r>
+            <a:r>
+              <a:rPr lang="en-US" sz="2400" dirty="0"/>
+              <a:t>.”</a:t>
+            </a:r>
+          </a:p>
+          <a:p>
+            <a:pPr marL="800100" lvl="1" indent="-342900" algn="l">
+              <a:lnSpc>
+                <a:spcPct val="100000"/>
+              </a:lnSpc>
+              <a:buFont typeface="Arial" panose="020B0604020202020204" pitchFamily="34" charset="0"/>
+              <a:buChar char="•"/>
+            </a:pPr>
+            <a:r>
+              <a:rPr lang="en-US" sz="2400" dirty="0"/>
+              <a:t>“Why Tom?! What did you see?”</a:t>
+            </a:r>
+          </a:p>
+          <a:p>
+            <a:pPr marL="800100" lvl="1" indent="-342900" algn="l">
+              <a:lnSpc>
+                <a:spcPct val="100000"/>
+              </a:lnSpc>
+              <a:buFont typeface="Arial" panose="020B0604020202020204" pitchFamily="34" charset="0"/>
+              <a:buChar char="•"/>
+            </a:pPr>
+            <a:r>
+              <a:rPr lang="en-US" sz="2400" dirty="0"/>
+              <a:t>“We’re reinventing the wheel, but worse.”</a:t>
+            </a:r>
+          </a:p>
+          <a:p>
+            <a:pPr marL="800100" lvl="1" indent="-342900" algn="l">
+              <a:lnSpc>
+                <a:spcPct val="100000"/>
+              </a:lnSpc>
+              <a:buFont typeface="Arial" panose="020B0604020202020204" pitchFamily="34" charset="0"/>
+              <a:buChar char="•"/>
+            </a:pPr>
+            <a:r>
+              <a:rPr lang="en-US" sz="2400" dirty="0"/>
+              <a:t>“What have we created? Oh no…”</a:t>
+            </a:r>
+          </a:p>
+          <a:p>
+            <a:pPr marL="800100" lvl="1" indent="-342900" algn="l">
+              <a:lnSpc>
+                <a:spcPct val="100000"/>
+              </a:lnSpc>
+              <a:buFont typeface="Arial" panose="020B0604020202020204" pitchFamily="34" charset="0"/>
+              <a:buChar char="•"/>
+            </a:pPr>
+            <a:r>
+              <a:rPr lang="en-US" sz="2400" dirty="0"/>
+              <a:t>“It um… It does some shit. Yeah.”</a:t>
+            </a:r>
+          </a:p>
+          <a:p>
+            <a:pPr marL="800100" lvl="1" indent="-342900" algn="l">
+              <a:lnSpc>
+                <a:spcPct val="100000"/>
+              </a:lnSpc>
+              <a:buFont typeface="Arial" panose="020B0604020202020204" pitchFamily="34" charset="0"/>
+              <a:buChar char="•"/>
+            </a:pPr>
+            <a:r>
+              <a:rPr lang="en-US" sz="2400" dirty="0"/>
+              <a:t>“Some things shouldn’t work… but they do.”</a:t>
+            </a:r>
+          </a:p>
+          <a:p>
+            <a:pPr marL="342900" indent="-342900" algn="l">
+              <a:lnSpc>
+                <a:spcPct val="150000"/>
+              </a:lnSpc>
+              <a:buFont typeface="Arial" panose="020B0604020202020204" pitchFamily="34" charset="0"/>
+              <a:buChar char="•"/>
+            </a:pPr>
+            <a:endParaRPr lang="en-US" dirty="0"/>
+          </a:p>
+        </p:txBody>
+      </p:sp>
+    </p:spTree>
+    <p:extLst>
+      <p:ext uri="{BB962C8B-B14F-4D97-AF65-F5344CB8AC3E}">
+        <p14:creationId xmlns:p14="http://schemas.microsoft.com/office/powerpoint/2010/main" val="4174395144"/>
+      </p:ext>
+    </p:extLst>
+  </p:cSld>
+  <p:clrMapOvr>
+    <a:masterClrMapping/>
+  </p:clrMapOvr>
+</p:sld>
+</file>
+
 <file path=ppt/slides/slide2.xml><?xml version="1.0" encoding="utf-8"?>
 <p:sld xmlns:a="http://schemas.openxmlformats.org/drawingml/2006/main" xmlns:r="http://schemas.openxmlformats.org/officeDocument/2006/relationships" xmlns:p="http://schemas.openxmlformats.org/presentationml/2006/main">
   <p:cSld>
@@ -3800,7 +4398,7 @@
             </a:pPr>
             <a:r>
               <a:rPr lang="en-US" dirty="0"/>
-              <a:t>Realization: We need a PowerPoint Compiler &amp; Executor. obviously.</a:t>
+              <a:t>Realization: We need a PowerPoint Compiler &amp; Executor! obviously…</a:t>
             </a:r>
           </a:p>
         </p:txBody>
@@ -3889,8 +4487,8 @@
         </p:nvSpPr>
         <p:spPr>
           <a:xfrm>
-            <a:off x="838200" y="1472698"/>
-            <a:ext cx="6754814" cy="4786472"/>
+            <a:off x="838200" y="1448634"/>
+            <a:ext cx="6754814" cy="2016460"/>
           </a:xfrm>
         </p:spPr>
         <p:txBody>
@@ -3899,6 +4497,18 @@
           <a:p>
             <a:r>
               <a:rPr lang="en-US" dirty="0"/>
+              <a:t>“Is writing code TOO easy?”</a:t>
+            </a:r>
+          </a:p>
+          <a:p>
+            <a:r>
+              <a:rPr lang="en-US" dirty="0"/>
+              <a:t>“Frustrated by computers being TOO fast?”</a:t>
+            </a:r>
+          </a:p>
+          <a:p>
+            <a:r>
+              <a:rPr lang="en-US" dirty="0"/>
               <a:t>By the time someone tried to stop us… </a:t>
             </a:r>
             <a:br>
@@ -3907,12 +4517,6 @@
             <a:r>
               <a:rPr lang="en-US" dirty="0"/>
               <a:t> 				     it was too late.</a:t>
-            </a:r>
-          </a:p>
-          <a:p>
-            <a:r>
-              <a:rPr lang="en-US" dirty="0"/>
-              <a:t>Did it for the memes.</a:t>
             </a:r>
           </a:p>
         </p:txBody>
@@ -3977,7 +4581,7 @@
         </p:blipFill>
         <p:spPr>
           <a:xfrm>
-            <a:off x="546768" y="3380871"/>
+            <a:off x="546768" y="3465095"/>
             <a:ext cx="3530600" cy="3175000"/>
           </a:xfrm>
           <a:prstGeom prst="rect">
@@ -4007,7 +4611,7 @@
         </p:blipFill>
         <p:spPr>
           <a:xfrm>
-            <a:off x="4204456" y="3320715"/>
+            <a:off x="4204456" y="3441035"/>
             <a:ext cx="3460750" cy="3271252"/>
           </a:xfrm>
           <a:prstGeom prst="rect">
@@ -4342,7 +4946,7 @@
             </a:r>
             <a:r>
               <a:rPr lang="en-US" dirty="0"/>
-              <a:t>, our own ASM format</a:t>
+              <a:t>, our own ASM format via ELVM</a:t>
             </a:r>
             <a:br>
               <a:rPr lang="en-US" dirty="0"/>
@@ -4467,12 +5071,42 @@
           <a:chExt cx="0" cy="0"/>
         </a:xfrm>
       </p:grpSpPr>
+      <p:pic>
+        <p:nvPicPr>
+          <p:cNvPr id="5" name="Picture 4">
+            <a:extLst>
+              <a:ext uri="{FF2B5EF4-FFF2-40B4-BE49-F238E27FC236}">
+                <a16:creationId xmlns:a16="http://schemas.microsoft.com/office/drawing/2014/main" id="{7B69D62A-B078-5944-819E-BDF49ED8FE59}"/>
+              </a:ext>
+            </a:extLst>
+          </p:cNvPr>
+          <p:cNvPicPr>
+            <a:picLocks noChangeAspect="1"/>
+          </p:cNvPicPr>
+          <p:nvPr/>
+        </p:nvPicPr>
+        <p:blipFill>
+          <a:blip r:embed="rId2"/>
+          <a:stretch>
+            <a:fillRect/>
+          </a:stretch>
+        </p:blipFill>
+        <p:spPr>
+          <a:xfrm>
+            <a:off x="5701631" y="866888"/>
+            <a:ext cx="6092220" cy="4929241"/>
+          </a:xfrm>
+          <a:prstGeom prst="rect">
+            <a:avLst/>
+          </a:prstGeom>
+        </p:spPr>
+      </p:pic>
       <p:sp>
         <p:nvSpPr>
           <p:cNvPr id="2" name="Title 1">
             <a:extLst>
               <a:ext uri="{FF2B5EF4-FFF2-40B4-BE49-F238E27FC236}">
-                <a16:creationId xmlns:a16="http://schemas.microsoft.com/office/drawing/2014/main" id="{6422C738-0270-B64E-8A70-9B5E2BE3F6D8}"/>
+                <a16:creationId xmlns:a16="http://schemas.microsoft.com/office/drawing/2014/main" id="{1C989032-DB86-9B4A-B2E8-E8D0867C103D}"/>
               </a:ext>
             </a:extLst>
           </p:cNvPr>
@@ -4490,7 +5124,7 @@
           <a:p>
             <a:r>
               <a:rPr lang="en-US" dirty="0"/>
-              <a:t>Dependencies</a:t>
+              <a:t>DEMO</a:t>
             </a:r>
           </a:p>
         </p:txBody>
@@ -4500,7 +5134,7 @@
           <p:cNvPr id="3" name="Content Placeholder 2">
             <a:extLst>
               <a:ext uri="{FF2B5EF4-FFF2-40B4-BE49-F238E27FC236}">
-                <a16:creationId xmlns:a16="http://schemas.microsoft.com/office/drawing/2014/main" id="{9FA18FE2-AF90-E142-8417-97006B453F9B}"/>
+                <a16:creationId xmlns:a16="http://schemas.microsoft.com/office/drawing/2014/main" id="{A3529D08-761D-6B48-92E2-940A2C45B654}"/>
               </a:ext>
             </a:extLst>
           </p:cNvPr>
@@ -4513,12 +5147,29 @@
         </p:nvSpPr>
         <p:spPr/>
         <p:txBody>
-          <a:bodyPr/>
-          <a:lstStyle/>
-          <a:p>
-            <a:r>
-              <a:rPr lang="en-US" dirty="0"/>
-              <a:t>ELVM (esoteric language virtual machine) – used a modified library of this to help us bridge the gap between C and PPASM languages.</a:t>
+          <a:bodyPr>
+            <a:normAutofit/>
+          </a:bodyPr>
+          <a:lstStyle/>
+          <a:p>
+            <a:pPr marL="514350" indent="-514350">
+              <a:buFont typeface="+mj-lt"/>
+              <a:buAutoNum type="arabicPeriod"/>
+            </a:pPr>
+            <a:endParaRPr lang="en-US" dirty="0"/>
+          </a:p>
+          <a:p>
+            <a:pPr marL="514350" indent="-514350">
+              <a:buFont typeface="+mj-lt"/>
+              <a:buAutoNum type="arabicPeriod"/>
+            </a:pPr>
+            <a:r>
+              <a:rPr lang="en-US" dirty="0"/>
+              <a:t>Write </a:t>
+            </a:r>
+            <a:r>
+              <a:rPr lang="en-US" dirty="0" err="1"/>
+              <a:t>foo.c</a:t>
             </a:r>
             <a:br>
               <a:rPr lang="en-US" dirty="0"/>
@@ -4526,33 +5177,104 @@
             <a:endParaRPr lang="en-US" dirty="0"/>
           </a:p>
           <a:p>
+            <a:pPr marL="514350" indent="-514350">
+              <a:buFont typeface="+mj-lt"/>
+              <a:buAutoNum type="arabicPeriod"/>
+            </a:pPr>
+            <a:r>
+              <a:rPr lang="en-US" dirty="0"/>
+              <a:t>$ python3 </a:t>
+            </a:r>
             <a:r>
               <a:rPr lang="en-US" dirty="0" err="1"/>
-              <a:t>AutoHotKey</a:t>
-            </a:r>
-            <a:r>
-              <a:rPr lang="en-US" dirty="0"/>
-              <a:t> – performs auto-clicking for PPTXTM cycles so a human doesn’t have to. Required a LOT of coordinates.</a:t>
+              <a:t>ppcc.py</a:t>
+            </a:r>
+            <a:r>
+              <a:rPr lang="en-US" dirty="0"/>
+              <a:t> </a:t>
+            </a:r>
+            <a:r>
+              <a:rPr lang="en-US" dirty="0" err="1"/>
+              <a:t>foo.c</a:t>
+            </a:r>
+            <a:r>
+              <a:rPr lang="en-US" dirty="0"/>
+              <a:t> </a:t>
             </a:r>
             <a:br>
               <a:rPr lang="en-US" dirty="0"/>
             </a:br>
+            <a:r>
+              <a:rPr lang="en-US" dirty="0"/>
+              <a:t>&gt;&gt; </a:t>
+            </a:r>
+            <a:r>
+              <a:rPr lang="en-US" dirty="0" err="1"/>
+              <a:t>foo.ppasm</a:t>
+            </a:r>
             <a:endParaRPr lang="en-US" dirty="0"/>
           </a:p>
           <a:p>
-            <a:r>
-              <a:rPr lang="en-US" dirty="0"/>
-              <a:t>win32COM – provides PowerPoint interfacing capabilities</a:t>
-            </a:r>
-            <a:br>
-              <a:rPr lang="en-US" dirty="0"/>
-            </a:br>
+            <a:pPr marL="514350" indent="-514350">
+              <a:buFont typeface="+mj-lt"/>
+              <a:buAutoNum type="arabicPeriod"/>
+            </a:pPr>
+            <a:r>
+              <a:rPr lang="en-US" dirty="0"/>
+              <a:t>$ python3 </a:t>
+            </a:r>
+            <a:r>
+              <a:rPr lang="en-US" dirty="0" err="1"/>
+              <a:t>ppexe.py</a:t>
+            </a:r>
+            <a:r>
+              <a:rPr lang="en-US" dirty="0"/>
+              <a:t> </a:t>
+            </a:r>
+            <a:r>
+              <a:rPr lang="en-US" dirty="0" err="1"/>
+              <a:t>foo.ppasm</a:t>
+            </a:r>
             <a:endParaRPr lang="en-US" dirty="0"/>
           </a:p>
           <a:p>
-            <a:r>
-              <a:rPr lang="en-US" dirty="0"/>
-              <a:t>Python3.7 - because our tape is small and we only had 24hours.</a:t>
+            <a:pPr marL="971550" lvl="1" indent="-514350">
+              <a:buFont typeface="+mj-lt"/>
+              <a:buAutoNum type="romanLcPeriod"/>
+            </a:pPr>
+            <a:r>
+              <a:rPr lang="en-US" dirty="0"/>
+              <a:t>Initialize memory in </a:t>
+            </a:r>
+            <a:r>
+              <a:rPr lang="en-US" dirty="0" err="1"/>
+              <a:t>ppcpu</a:t>
+            </a:r>
+            <a:endParaRPr lang="en-US" dirty="0"/>
+          </a:p>
+          <a:p>
+            <a:pPr marL="971550" lvl="1" indent="-514350">
+              <a:buFont typeface="+mj-lt"/>
+              <a:buAutoNum type="romanLcPeriod"/>
+            </a:pPr>
+            <a:r>
+              <a:rPr lang="en-US" dirty="0"/>
+              <a:t>Load instructions to </a:t>
+            </a:r>
+            <a:r>
+              <a:rPr lang="en-US" dirty="0" err="1"/>
+              <a:t>ppcpu</a:t>
+            </a:r>
+            <a:endParaRPr lang="en-US" dirty="0"/>
+          </a:p>
+          <a:p>
+            <a:pPr marL="971550" lvl="1" indent="-514350">
+              <a:buFont typeface="+mj-lt"/>
+              <a:buAutoNum type="romanLcPeriod"/>
+            </a:pPr>
+            <a:r>
+              <a:rPr lang="en-US" dirty="0"/>
+              <a:t>Execute instructions</a:t>
             </a:r>
           </a:p>
         </p:txBody>
@@ -4560,7 +5282,7 @@
     </p:spTree>
     <p:extLst>
       <p:ext uri="{BB962C8B-B14F-4D97-AF65-F5344CB8AC3E}">
-        <p14:creationId xmlns:p14="http://schemas.microsoft.com/office/powerpoint/2010/main" val="2801563314"/>
+        <p14:creationId xmlns:p14="http://schemas.microsoft.com/office/powerpoint/2010/main" val="2274703136"/>
       </p:ext>
     </p:extLst>
   </p:cSld>
@@ -4592,7 +5314,7 @@
           <p:cNvPr id="2" name="Title 1">
             <a:extLst>
               <a:ext uri="{FF2B5EF4-FFF2-40B4-BE49-F238E27FC236}">
-                <a16:creationId xmlns:a16="http://schemas.microsoft.com/office/drawing/2014/main" id="{1C989032-DB86-9B4A-B2E8-E8D0867C103D}"/>
+                <a16:creationId xmlns:a16="http://schemas.microsoft.com/office/drawing/2014/main" id="{6422C738-0270-B64E-8A70-9B5E2BE3F6D8}"/>
               </a:ext>
             </a:extLst>
           </p:cNvPr>
@@ -4610,7 +5332,7 @@
           <a:p>
             <a:r>
               <a:rPr lang="en-US" dirty="0"/>
-              <a:t>DEMO</a:t>
+              <a:t>Dependencies</a:t>
             </a:r>
           </a:p>
         </p:txBody>
@@ -4620,7 +5342,7 @@
           <p:cNvPr id="3" name="Content Placeholder 2">
             <a:extLst>
               <a:ext uri="{FF2B5EF4-FFF2-40B4-BE49-F238E27FC236}">
-                <a16:creationId xmlns:a16="http://schemas.microsoft.com/office/drawing/2014/main" id="{A3529D08-761D-6B48-92E2-940A2C45B654}"/>
+                <a16:creationId xmlns:a16="http://schemas.microsoft.com/office/drawing/2014/main" id="{9FA18FE2-AF90-E142-8417-97006B453F9B}"/>
               </a:ext>
             </a:extLst>
           </p:cNvPr>
@@ -4631,29 +5353,92 @@
             <p:ph idx="1"/>
           </p:nvPr>
         </p:nvSpPr>
-        <p:spPr/>
-        <p:txBody>
-          <a:bodyPr/>
-          <a:lstStyle/>
+        <p:spPr>
+          <a:xfrm>
+            <a:off x="838200" y="1455821"/>
+            <a:ext cx="10515600" cy="4721142"/>
+          </a:xfrm>
+        </p:spPr>
+        <p:txBody>
+          <a:bodyPr>
+            <a:normAutofit fontScale="85000" lnSpcReduction="20000"/>
+          </a:bodyPr>
+          <a:lstStyle/>
+          <a:p>
+            <a:endParaRPr lang="en-US" dirty="0"/>
+          </a:p>
+          <a:p>
+            <a:r>
+              <a:rPr lang="en-US" dirty="0"/>
+              <a:t>PowerPoint – yes. surprisingly.</a:t>
+            </a:r>
+            <a:br>
+              <a:rPr lang="en-US" dirty="0"/>
+            </a:br>
+            <a:endParaRPr lang="en-US" dirty="0"/>
+          </a:p>
+          <a:p>
+            <a:r>
+              <a:rPr lang="en-US" dirty="0"/>
+              <a:t>ELVM (esoteric language virtual machine) – used a modified library of this to help us bridge the gap between C and PPASM languages.</a:t>
+            </a:r>
+            <a:br>
+              <a:rPr lang="en-US" dirty="0"/>
+            </a:br>
+            <a:endParaRPr lang="en-US" dirty="0"/>
+          </a:p>
           <a:p>
             <a:r>
               <a:rPr lang="en-US" dirty="0" err="1"/>
-              <a:t>Succ</a:t>
-            </a:r>
+              <a:t>AutoHotKey</a:t>
+            </a:r>
+            <a:r>
+              <a:rPr lang="en-US" dirty="0"/>
+              <a:t> – performs auto-clicking for PPTXTM cycles so a human doesn’t have to. Required a LOT of coordinates.</a:t>
+            </a:r>
+            <a:br>
+              <a:rPr lang="en-US" dirty="0"/>
+            </a:br>
             <a:endParaRPr lang="en-US" dirty="0"/>
           </a:p>
           <a:p>
             <a:r>
               <a:rPr lang="en-US" dirty="0"/>
-              <a:t>Add 3 + 5</a:t>
-            </a:r>
+              <a:t>win32COM – provides PowerPoint interfacing capabilities</a:t>
+            </a:r>
+            <a:br>
+              <a:rPr lang="en-US" dirty="0"/>
+            </a:br>
+            <a:endParaRPr lang="en-US" dirty="0"/>
+          </a:p>
+          <a:p>
+            <a:r>
+              <a:rPr lang="en-US" dirty="0"/>
+              <a:t>Python3.7 – needed purely for control flow. Most CPUs would have wiring to support this.</a:t>
+            </a:r>
+            <a:br>
+              <a:rPr lang="en-US" dirty="0"/>
+            </a:br>
+            <a:endParaRPr lang="en-US" dirty="0"/>
+          </a:p>
+          <a:p>
+            <a:r>
+              <a:rPr lang="en-US" dirty="0"/>
+              <a:t>1920 x 1080 resolution</a:t>
+            </a:r>
+          </a:p>
+          <a:p>
+            <a:pPr marL="0" indent="0">
+              <a:buNone/>
+            </a:pPr>
+            <a:endParaRPr lang="en-US" dirty="0"/>
           </a:p>
         </p:txBody>
       </p:sp>
     </p:spTree>
     <p:extLst>
       <p:ext uri="{BB962C8B-B14F-4D97-AF65-F5344CB8AC3E}">
-        <p14:creationId xmlns:p14="http://schemas.microsoft.com/office/powerpoint/2010/main" val="2274703136"/>
+        <p14:creationId xmlns:p14="http://schemas.microsoft.com/office/powerpoint/2010/main" val="2801563314"/>
       </p:ext>
     </p:extLst>
   </p:cSld>
@@ -4685,365 +5470,296 @@
           <p:cNvPr id="2" name="Title 1">
             <a:extLst>
               <a:ext uri="{FF2B5EF4-FFF2-40B4-BE49-F238E27FC236}">
-                <a16:creationId xmlns:a16="http://schemas.microsoft.com/office/drawing/2014/main" id="{3CC2B19B-8F42-EF4F-AA59-9E437BA58F6E}"/>
-              </a:ext>
-            </a:extLst>
-          </p:cNvPr>
-          <p:cNvSpPr>
-            <a:spLocks noGrp="1"/>
-          </p:cNvSpPr>
-          <p:nvPr>
-            <p:ph type="ctrTitle"/>
-          </p:nvPr>
-        </p:nvSpPr>
-        <p:spPr>
-          <a:xfrm>
-            <a:off x="1524000" y="809812"/>
-            <a:ext cx="9144000" cy="951879"/>
-          </a:xfrm>
-        </p:spPr>
-        <p:txBody>
-          <a:bodyPr/>
-          <a:lstStyle/>
-          <a:p>
-            <a:r>
-              <a:rPr lang="en-US" dirty="0"/>
-              <a:t>The End. Thank God.</a:t>
-            </a:r>
-          </a:p>
-        </p:txBody>
-      </p:sp>
-      <p:sp>
-        <p:nvSpPr>
-          <p:cNvPr id="3" name="Subtitle 2">
-            <a:extLst>
-              <a:ext uri="{FF2B5EF4-FFF2-40B4-BE49-F238E27FC236}">
-                <a16:creationId xmlns:a16="http://schemas.microsoft.com/office/drawing/2014/main" id="{2223968C-BF80-8149-A9A8-A54C9C203A9D}"/>
-              </a:ext>
-            </a:extLst>
-          </p:cNvPr>
-          <p:cNvSpPr>
-            <a:spLocks noGrp="1"/>
-          </p:cNvSpPr>
-          <p:nvPr>
-            <p:ph type="subTitle" idx="1"/>
-          </p:nvPr>
-        </p:nvSpPr>
-        <p:spPr>
-          <a:xfrm>
-            <a:off x="1524000" y="1722814"/>
-            <a:ext cx="9144000" cy="478965"/>
-          </a:xfrm>
-        </p:spPr>
-        <p:txBody>
-          <a:bodyPr/>
-          <a:lstStyle/>
-          <a:p>
-            <a:r>
-              <a:rPr lang="en-US" dirty="0"/>
-              <a:t>https://</a:t>
-            </a:r>
-            <a:r>
-              <a:rPr lang="en-US" dirty="0" err="1"/>
-              <a:t>github.com</a:t>
-            </a:r>
-            <a:r>
-              <a:rPr lang="en-US" dirty="0"/>
-              <a:t>/cchoy96/</a:t>
-            </a:r>
-            <a:r>
-              <a:rPr lang="en-US" dirty="0" err="1"/>
-              <a:t>ppcc</a:t>
-            </a:r>
-            <a:r>
-              <a:rPr lang="en-US" dirty="0"/>
-              <a:t>/</a:t>
-            </a:r>
-          </a:p>
-        </p:txBody>
-      </p:sp>
-      <p:sp>
-        <p:nvSpPr>
-          <p:cNvPr id="5" name="Content Placeholder 2">
-            <a:extLst>
-              <a:ext uri="{FF2B5EF4-FFF2-40B4-BE49-F238E27FC236}">
-                <a16:creationId xmlns:a16="http://schemas.microsoft.com/office/drawing/2014/main" id="{812FDA0E-69FC-2247-8E8F-6DE5B959D858}"/>
-              </a:ext>
-            </a:extLst>
-          </p:cNvPr>
-          <p:cNvSpPr txBox="1">
-            <a:spLocks/>
-          </p:cNvSpPr>
-          <p:nvPr/>
-        </p:nvSpPr>
-        <p:spPr>
-          <a:xfrm>
-            <a:off x="838200" y="2328570"/>
-            <a:ext cx="10515600" cy="3891756"/>
-          </a:xfrm>
-          <a:prstGeom prst="rect">
-            <a:avLst/>
-          </a:prstGeom>
-        </p:spPr>
-        <p:txBody>
-          <a:bodyPr vert="horz" lIns="91440" tIns="45720" rIns="91440" bIns="45720" rtlCol="0">
-            <a:normAutofit/>
+                <a16:creationId xmlns:a16="http://schemas.microsoft.com/office/drawing/2014/main" id="{DCC7CC33-0D3E-604E-8FDF-25D8A75AE199}"/>
+              </a:ext>
+            </a:extLst>
+          </p:cNvPr>
+          <p:cNvSpPr>
+            <a:spLocks noGrp="1"/>
+          </p:cNvSpPr>
+          <p:nvPr>
+            <p:ph type="title"/>
+          </p:nvPr>
+        </p:nvSpPr>
+        <p:spPr/>
+        <p:txBody>
+          <a:bodyPr/>
+          <a:lstStyle/>
+          <a:p>
+            <a:r>
+              <a:rPr lang="en-US" dirty="0"/>
+              <a:t>Some Numbers</a:t>
+            </a:r>
+          </a:p>
+        </p:txBody>
+      </p:sp>
+      <p:sp>
+        <p:nvSpPr>
+          <p:cNvPr id="3" name="Content Placeholder 2">
+            <a:extLst>
+              <a:ext uri="{FF2B5EF4-FFF2-40B4-BE49-F238E27FC236}">
+                <a16:creationId xmlns:a16="http://schemas.microsoft.com/office/drawing/2014/main" id="{E1BF41E4-DD70-C946-B25C-981792FEFF21}"/>
+              </a:ext>
+            </a:extLst>
+          </p:cNvPr>
+          <p:cNvSpPr>
+            <a:spLocks noGrp="1"/>
+          </p:cNvSpPr>
+          <p:nvPr>
+            <p:ph idx="1"/>
+          </p:nvPr>
+        </p:nvSpPr>
+        <p:spPr/>
+        <p:txBody>
+          <a:bodyPr>
+            <a:normAutofit fontScale="92500" lnSpcReduction="10000"/>
           </a:bodyPr>
-          <a:lstStyle>
-            <a:lvl1pPr marL="0" indent="0" algn="ctr" defTabSz="914400" rtl="0" eaLnBrk="1" latinLnBrk="0" hangingPunct="1">
-              <a:lnSpc>
-                <a:spcPct val="90000"/>
-              </a:lnSpc>
-              <a:spcBef>
-                <a:spcPts val="1000"/>
-              </a:spcBef>
-              <a:buFont typeface="Arial" panose="020B0604020202020204" pitchFamily="34" charset="0"/>
-              <a:buNone/>
-              <a:defRPr sz="2400" kern="1200">
-                <a:solidFill>
-                  <a:schemeClr val="tx1"/>
-                </a:solidFill>
-                <a:latin typeface="+mn-lt"/>
-                <a:ea typeface="+mn-ea"/>
-                <a:cs typeface="+mn-cs"/>
-              </a:defRPr>
-            </a:lvl1pPr>
-            <a:lvl2pPr marL="457200" indent="0" algn="ctr" defTabSz="914400" rtl="0" eaLnBrk="1" latinLnBrk="0" hangingPunct="1">
-              <a:lnSpc>
-                <a:spcPct val="90000"/>
-              </a:lnSpc>
-              <a:spcBef>
-                <a:spcPts val="500"/>
-              </a:spcBef>
-              <a:buFont typeface="Arial" panose="020B0604020202020204" pitchFamily="34" charset="0"/>
-              <a:buNone/>
-              <a:defRPr sz="2000" kern="1200">
-                <a:solidFill>
-                  <a:schemeClr val="tx1"/>
-                </a:solidFill>
-                <a:latin typeface="+mn-lt"/>
-                <a:ea typeface="+mn-ea"/>
-                <a:cs typeface="+mn-cs"/>
-              </a:defRPr>
-            </a:lvl2pPr>
-            <a:lvl3pPr marL="914400" indent="0" algn="ctr" defTabSz="914400" rtl="0" eaLnBrk="1" latinLnBrk="0" hangingPunct="1">
-              <a:lnSpc>
-                <a:spcPct val="90000"/>
-              </a:lnSpc>
-              <a:spcBef>
-                <a:spcPts val="500"/>
-              </a:spcBef>
-              <a:buFont typeface="Arial" panose="020B0604020202020204" pitchFamily="34" charset="0"/>
-              <a:buNone/>
-              <a:defRPr sz="1800" kern="1200">
-                <a:solidFill>
-                  <a:schemeClr val="tx1"/>
-                </a:solidFill>
-                <a:latin typeface="+mn-lt"/>
-                <a:ea typeface="+mn-ea"/>
-                <a:cs typeface="+mn-cs"/>
-              </a:defRPr>
-            </a:lvl3pPr>
-            <a:lvl4pPr marL="1371600" indent="0" algn="ctr" defTabSz="914400" rtl="0" eaLnBrk="1" latinLnBrk="0" hangingPunct="1">
-              <a:lnSpc>
-                <a:spcPct val="90000"/>
-              </a:lnSpc>
-              <a:spcBef>
-                <a:spcPts val="500"/>
-              </a:spcBef>
-              <a:buFont typeface="Arial" panose="020B0604020202020204" pitchFamily="34" charset="0"/>
-              <a:buNone/>
-              <a:defRPr sz="1600" kern="1200">
-                <a:solidFill>
-                  <a:schemeClr val="tx1"/>
-                </a:solidFill>
-                <a:latin typeface="+mn-lt"/>
-                <a:ea typeface="+mn-ea"/>
-                <a:cs typeface="+mn-cs"/>
-              </a:defRPr>
-            </a:lvl4pPr>
-            <a:lvl5pPr marL="1828800" indent="0" algn="ctr" defTabSz="914400" rtl="0" eaLnBrk="1" latinLnBrk="0" hangingPunct="1">
-              <a:lnSpc>
-                <a:spcPct val="90000"/>
-              </a:lnSpc>
-              <a:spcBef>
-                <a:spcPts val="500"/>
-              </a:spcBef>
-              <a:buFont typeface="Arial" panose="020B0604020202020204" pitchFamily="34" charset="0"/>
-              <a:buNone/>
-              <a:defRPr sz="1600" kern="1200">
-                <a:solidFill>
-                  <a:schemeClr val="tx1"/>
-                </a:solidFill>
-                <a:latin typeface="+mn-lt"/>
-                <a:ea typeface="+mn-ea"/>
-                <a:cs typeface="+mn-cs"/>
-              </a:defRPr>
-            </a:lvl5pPr>
-            <a:lvl6pPr marL="2286000" indent="0" algn="ctr" defTabSz="914400" rtl="0" eaLnBrk="1" latinLnBrk="0" hangingPunct="1">
-              <a:lnSpc>
-                <a:spcPct val="90000"/>
-              </a:lnSpc>
-              <a:spcBef>
-                <a:spcPts val="500"/>
-              </a:spcBef>
-              <a:buFont typeface="Arial" panose="020B0604020202020204" pitchFamily="34" charset="0"/>
-              <a:buNone/>
-              <a:defRPr sz="1600" kern="1200">
-                <a:solidFill>
-                  <a:schemeClr val="tx1"/>
-                </a:solidFill>
-                <a:latin typeface="+mn-lt"/>
-                <a:ea typeface="+mn-ea"/>
-                <a:cs typeface="+mn-cs"/>
-              </a:defRPr>
-            </a:lvl6pPr>
-            <a:lvl7pPr marL="2743200" indent="0" algn="ctr" defTabSz="914400" rtl="0" eaLnBrk="1" latinLnBrk="0" hangingPunct="1">
-              <a:lnSpc>
-                <a:spcPct val="90000"/>
-              </a:lnSpc>
-              <a:spcBef>
-                <a:spcPts val="500"/>
-              </a:spcBef>
-              <a:buFont typeface="Arial" panose="020B0604020202020204" pitchFamily="34" charset="0"/>
-              <a:buNone/>
-              <a:defRPr sz="1600" kern="1200">
-                <a:solidFill>
-                  <a:schemeClr val="tx1"/>
-                </a:solidFill>
-                <a:latin typeface="+mn-lt"/>
-                <a:ea typeface="+mn-ea"/>
-                <a:cs typeface="+mn-cs"/>
-              </a:defRPr>
-            </a:lvl7pPr>
-            <a:lvl8pPr marL="3200400" indent="0" algn="ctr" defTabSz="914400" rtl="0" eaLnBrk="1" latinLnBrk="0" hangingPunct="1">
-              <a:lnSpc>
-                <a:spcPct val="90000"/>
-              </a:lnSpc>
-              <a:spcBef>
-                <a:spcPts val="500"/>
-              </a:spcBef>
-              <a:buFont typeface="Arial" panose="020B0604020202020204" pitchFamily="34" charset="0"/>
-              <a:buNone/>
-              <a:defRPr sz="1600" kern="1200">
-                <a:solidFill>
-                  <a:schemeClr val="tx1"/>
-                </a:solidFill>
-                <a:latin typeface="+mn-lt"/>
-                <a:ea typeface="+mn-ea"/>
-                <a:cs typeface="+mn-cs"/>
-              </a:defRPr>
-            </a:lvl8pPr>
-            <a:lvl9pPr marL="3657600" indent="0" algn="ctr" defTabSz="914400" rtl="0" eaLnBrk="1" latinLnBrk="0" hangingPunct="1">
-              <a:lnSpc>
-                <a:spcPct val="90000"/>
-              </a:lnSpc>
-              <a:spcBef>
-                <a:spcPts val="500"/>
-              </a:spcBef>
-              <a:buFont typeface="Arial" panose="020B0604020202020204" pitchFamily="34" charset="0"/>
-              <a:buNone/>
-              <a:defRPr sz="1600" kern="1200">
-                <a:solidFill>
-                  <a:schemeClr val="tx1"/>
-                </a:solidFill>
-                <a:latin typeface="+mn-lt"/>
-                <a:ea typeface="+mn-ea"/>
-                <a:cs typeface="+mn-cs"/>
-              </a:defRPr>
-            </a:lvl9pPr>
-          </a:lstStyle>
-          <a:p>
-            <a:pPr algn="l">
+          <a:lstStyle/>
+          <a:p>
+            <a:r>
+              <a:rPr lang="en-US" dirty="0"/>
+              <a:t>1 cycle = around 1 sec = 1-2 Hz</a:t>
+            </a:r>
+          </a:p>
+          <a:p>
+            <a:r>
+              <a:rPr lang="en-US" dirty="0"/>
+              <a:t>ADD = O(5n), where n=#bits</a:t>
+            </a:r>
+          </a:p>
+          <a:p>
+            <a:r>
+              <a:rPr lang="en-US" dirty="0"/>
+              <a:t>SUB = O(6n), where n=#bits</a:t>
+            </a:r>
+          </a:p>
+          <a:p>
+            <a:r>
+              <a:rPr lang="en-US" dirty="0"/>
+              <a:t>Push/Pop = 1 operation</a:t>
+            </a:r>
+          </a:p>
+          <a:p>
+            <a:r>
+              <a:rPr lang="en-US" dirty="0"/>
+              <a:t>Animations per Cell = O(n</a:t>
+            </a:r>
+            <a:r>
+              <a:rPr lang="en-US" baseline="30000" dirty="0"/>
+              <a:t>2</a:t>
+            </a:r>
+            <a:r>
+              <a:rPr lang="en-US" dirty="0"/>
+              <a:t>+m</a:t>
+            </a:r>
+            <a:r>
+              <a:rPr lang="en-US" baseline="30000" dirty="0"/>
+              <a:t>2</a:t>
+            </a:r>
+            <a:r>
+              <a:rPr lang="en-US" dirty="0"/>
+              <a:t>)</a:t>
+            </a:r>
+          </a:p>
+          <a:p>
+            <a:pPr lvl="1"/>
+            <a:r>
+              <a:rPr lang="en-US" dirty="0"/>
+              <a:t>8 cells = 1600 animations. 16 cells = 6400 animations.</a:t>
+            </a:r>
+            <a:br>
+              <a:rPr lang="en-US" dirty="0"/>
+            </a:br>
+            <a:endParaRPr lang="en-US" dirty="0"/>
+          </a:p>
+          <a:p>
+            <a:r>
+              <a:rPr lang="en-US" dirty="0"/>
+              <a:t>Memory = 256 bytes of storage</a:t>
+            </a:r>
+          </a:p>
+          <a:p>
+            <a:r>
+              <a:rPr lang="en-US" dirty="0"/>
+              <a:t>Registers = 8 bits</a:t>
+            </a:r>
+          </a:p>
+          <a:p>
+            <a:r>
+              <a:rPr lang="en-US" dirty="0"/>
+              <a:t>ALU = 8 bits</a:t>
+            </a:r>
+          </a:p>
+        </p:txBody>
+      </p:sp>
+    </p:spTree>
+    <p:extLst>
+      <p:ext uri="{BB962C8B-B14F-4D97-AF65-F5344CB8AC3E}">
+        <p14:creationId xmlns:p14="http://schemas.microsoft.com/office/powerpoint/2010/main" val="930136096"/>
+      </p:ext>
+    </p:extLst>
+  </p:cSld>
+  <p:clrMapOvr>
+    <a:masterClrMapping/>
+  </p:clrMapOvr>
+</p:sld>
+</file>
+
+<file path=ppt/slides/slide9.xml><?xml version="1.0" encoding="utf-8"?>
+<p:sld xmlns:a="http://schemas.openxmlformats.org/drawingml/2006/main" xmlns:r="http://schemas.openxmlformats.org/officeDocument/2006/relationships" xmlns:p="http://schemas.openxmlformats.org/presentationml/2006/main">
+  <p:cSld>
+    <p:spTree>
+      <p:nvGrpSpPr>
+        <p:cNvPr id="1" name=""/>
+        <p:cNvGrpSpPr/>
+        <p:nvPr/>
+      </p:nvGrpSpPr>
+      <p:grpSpPr>
+        <a:xfrm>
+          <a:off x="0" y="0"/>
+          <a:ext cx="0" cy="0"/>
+          <a:chOff x="0" y="0"/>
+          <a:chExt cx="0" cy="0"/>
+        </a:xfrm>
+      </p:grpSpPr>
+      <p:sp>
+        <p:nvSpPr>
+          <p:cNvPr id="2" name="Title 1">
+            <a:extLst>
+              <a:ext uri="{FF2B5EF4-FFF2-40B4-BE49-F238E27FC236}">
+                <a16:creationId xmlns:a16="http://schemas.microsoft.com/office/drawing/2014/main" id="{0DDCBBDC-9511-7148-AB76-7C0EA39A11B3}"/>
+              </a:ext>
+            </a:extLst>
+          </p:cNvPr>
+          <p:cNvSpPr>
+            <a:spLocks noGrp="1"/>
+          </p:cNvSpPr>
+          <p:nvPr>
+            <p:ph type="title"/>
+          </p:nvPr>
+        </p:nvSpPr>
+        <p:spPr/>
+        <p:txBody>
+          <a:bodyPr/>
+          <a:lstStyle/>
+          <a:p>
+            <a:r>
+              <a:rPr lang="en-US" dirty="0"/>
+              <a:t>Key Contributions</a:t>
+            </a:r>
+          </a:p>
+        </p:txBody>
+      </p:sp>
+      <p:sp>
+        <p:nvSpPr>
+          <p:cNvPr id="3" name="Content Placeholder 2">
+            <a:extLst>
+              <a:ext uri="{FF2B5EF4-FFF2-40B4-BE49-F238E27FC236}">
+                <a16:creationId xmlns:a16="http://schemas.microsoft.com/office/drawing/2014/main" id="{848820D4-4AAB-764A-A05A-2B06A82F4421}"/>
+              </a:ext>
+            </a:extLst>
+          </p:cNvPr>
+          <p:cNvSpPr>
+            <a:spLocks noGrp="1"/>
+          </p:cNvSpPr>
+          <p:nvPr>
+            <p:ph idx="1"/>
+          </p:nvPr>
+        </p:nvSpPr>
+        <p:spPr/>
+        <p:txBody>
+          <a:bodyPr>
+            <a:normAutofit fontScale="92500" lnSpcReduction="20000"/>
+          </a:bodyPr>
+          <a:lstStyle/>
+          <a:p>
+            <a:pPr>
               <a:lnSpc>
                 <a:spcPct val="150000"/>
               </a:lnSpc>
             </a:pPr>
             <a:r>
               <a:rPr lang="en-US" dirty="0"/>
-              <a:t>Some Memorable Quotes from the past 24 hours:</a:t>
-            </a:r>
-          </a:p>
-          <a:p>
-            <a:pPr marL="800100" lvl="1" indent="-342900" algn="l">
-              <a:lnSpc>
-                <a:spcPct val="100000"/>
-              </a:lnSpc>
-              <a:buFont typeface="Arial" panose="020B0604020202020204" pitchFamily="34" charset="0"/>
-              <a:buChar char="•"/>
-            </a:pPr>
-            <a:r>
-              <a:rPr lang="en-US" sz="2400" dirty="0"/>
-              <a:t>“What are they doing?” “idk. some PowerPoint shit”</a:t>
-            </a:r>
-          </a:p>
-          <a:p>
-            <a:pPr marL="800100" lvl="1" indent="-342900" algn="l">
-              <a:lnSpc>
-                <a:spcPct val="100000"/>
-              </a:lnSpc>
-              <a:buFont typeface="Arial" panose="020B0604020202020204" pitchFamily="34" charset="0"/>
-              <a:buChar char="•"/>
-            </a:pPr>
-            <a:r>
-              <a:rPr lang="en-US" sz="2400" dirty="0"/>
-              <a:t>“Look at this wiring! Python is doing </a:t>
-            </a:r>
-            <a:r>
-              <a:rPr lang="en-US" sz="2400" i="1" dirty="0"/>
-              <a:t>nothing</a:t>
-            </a:r>
-            <a:r>
-              <a:rPr lang="en-US" sz="2400" dirty="0"/>
-              <a:t>.”</a:t>
-            </a:r>
-          </a:p>
-          <a:p>
-            <a:pPr marL="800100" lvl="1" indent="-342900" algn="l">
-              <a:lnSpc>
-                <a:spcPct val="100000"/>
-              </a:lnSpc>
-              <a:buFont typeface="Arial" panose="020B0604020202020204" pitchFamily="34" charset="0"/>
-              <a:buChar char="•"/>
-            </a:pPr>
-            <a:r>
-              <a:rPr lang="en-US" sz="2400" dirty="0"/>
-              <a:t>“Why Tom?! What did you see?”</a:t>
-            </a:r>
-          </a:p>
-          <a:p>
-            <a:pPr marL="800100" lvl="1" indent="-342900" algn="l">
-              <a:lnSpc>
-                <a:spcPct val="100000"/>
-              </a:lnSpc>
-              <a:buFont typeface="Arial" panose="020B0604020202020204" pitchFamily="34" charset="0"/>
-              <a:buChar char="•"/>
-            </a:pPr>
-            <a:r>
-              <a:rPr lang="en-US" sz="2400" dirty="0"/>
-              <a:t>“We’re reinventing the wheel, but worse.”</a:t>
-            </a:r>
-          </a:p>
-          <a:p>
-            <a:pPr marL="800100" lvl="1" indent="-342900" algn="l">
-              <a:lnSpc>
-                <a:spcPct val="100000"/>
-              </a:lnSpc>
-              <a:buFont typeface="Arial" panose="020B0604020202020204" pitchFamily="34" charset="0"/>
-              <a:buChar char="•"/>
-            </a:pPr>
-            <a:r>
-              <a:rPr lang="en-US" sz="2400" dirty="0"/>
-              <a:t>“What have we created? Oh no…"</a:t>
-            </a:r>
-          </a:p>
-          <a:p>
-            <a:pPr marL="342900" indent="-342900" algn="l">
+              <a:t>C to PPASM compiler</a:t>
+            </a:r>
+          </a:p>
+          <a:p>
+            <a:pPr>
               <a:lnSpc>
                 <a:spcPct val="150000"/>
               </a:lnSpc>
-              <a:buFont typeface="Arial" panose="020B0604020202020204" pitchFamily="34" charset="0"/>
-              <a:buChar char="•"/>
+            </a:pPr>
+            <a:r>
+              <a:rPr lang="en-US" dirty="0"/>
+              <a:t>Modular Turing Machine ALUs in PowerPoint</a:t>
+            </a:r>
+          </a:p>
+          <a:p>
+            <a:pPr>
+              <a:lnSpc>
+                <a:spcPct val="150000"/>
+              </a:lnSpc>
+            </a:pPr>
+            <a:r>
+              <a:rPr lang="en-US" dirty="0"/>
+              <a:t>Code for loading and executing </a:t>
+            </a:r>
+            <a:r>
+              <a:rPr lang="en-US" dirty="0" err="1"/>
+              <a:t>ppasm</a:t>
+            </a:r>
+            <a:r>
+              <a:rPr lang="en-US" dirty="0"/>
+              <a:t> on </a:t>
+            </a:r>
+            <a:r>
+              <a:rPr lang="en-US" dirty="0" err="1"/>
+              <a:t>pptxtm</a:t>
+            </a:r>
+            <a:endParaRPr lang="en-US" dirty="0"/>
+          </a:p>
+          <a:p>
+            <a:pPr>
+              <a:lnSpc>
+                <a:spcPct val="150000"/>
+              </a:lnSpc>
+            </a:pPr>
+            <a:r>
+              <a:rPr lang="en-US" dirty="0"/>
+              <a:t>Automatic Cycle Executor</a:t>
+            </a:r>
+          </a:p>
+          <a:p>
+            <a:pPr>
+              <a:lnSpc>
+                <a:spcPct val="150000"/>
+              </a:lnSpc>
+            </a:pPr>
+            <a:r>
+              <a:rPr lang="en-US" dirty="0"/>
+              <a:t>Paginated Memory using PowerPoint slides</a:t>
+            </a:r>
+            <a:br>
+              <a:rPr lang="en-US" dirty="0"/>
+            </a:br>
+            <a:endParaRPr lang="en-US" dirty="0"/>
+          </a:p>
+          <a:p>
+            <a:pPr>
+              <a:lnSpc>
+                <a:spcPct val="150000"/>
+              </a:lnSpc>
+            </a:pPr>
+            <a:r>
+              <a:rPr lang="en-US" b="1" u="sng" dirty="0"/>
+              <a:t>We executed C code in PowerPoint.</a:t>
+            </a:r>
+          </a:p>
+          <a:p>
+            <a:pPr>
+              <a:lnSpc>
+                <a:spcPct val="150000"/>
+              </a:lnSpc>
             </a:pPr>
             <a:endParaRPr lang="en-US" dirty="0"/>
           </a:p>
@@ -5052,7 +5768,7 @@
     </p:spTree>
     <p:extLst>
       <p:ext uri="{BB962C8B-B14F-4D97-AF65-F5344CB8AC3E}">
-        <p14:creationId xmlns:p14="http://schemas.microsoft.com/office/powerpoint/2010/main" val="4174395144"/>
+        <p14:creationId xmlns:p14="http://schemas.microsoft.com/office/powerpoint/2010/main" val="3811452159"/>
       </p:ext>
     </p:extLst>
   </p:cSld>
